--- a/OPD/Lab4/Оптимизации функций при компиляции.pptx
+++ b/OPD/Lab4/Оптимизации функций при компиляции.pptx
@@ -1,18 +1,18 @@
 
 <file path=ppt/presentation.xml><?xml version="1.0" encoding="utf-8"?>
-<p:presentation xmlns:a="http://schemas.openxmlformats.org/drawingml/2006/main" xmlns:r="http://schemas.openxmlformats.org/officeDocument/2006/relationships" xmlns:p="http://schemas.openxmlformats.org/presentationml/2006/main" saveSubsetFonts="1">
+<p:presentation xmlns:a="http://schemas.openxmlformats.org/drawingml/2006/main" xmlns:r="http://schemas.openxmlformats.org/officeDocument/2006/relationships" xmlns:p="http://schemas.openxmlformats.org/presentationml/2006/main">
   <p:sldMasterIdLst>
-    <p:sldMasterId id="2147483672" r:id="rId1"/>
+    <p:sldMasterId id="2147483648" r:id="rId1"/>
   </p:sldMasterIdLst>
   <p:sldIdLst>
-    <p:sldId id="256" r:id="rId2"/>
-    <p:sldId id="257" r:id="rId3"/>
-    <p:sldId id="258" r:id="rId4"/>
-    <p:sldId id="259" r:id="rId5"/>
-    <p:sldId id="261" r:id="rId6"/>
-    <p:sldId id="262" r:id="rId7"/>
-    <p:sldId id="263" r:id="rId8"/>
-    <p:sldId id="260" r:id="rId9"/>
+    <p:sldId id="256" r:id="rId3"/>
+    <p:sldId id="257" r:id="rId4"/>
+    <p:sldId id="258" r:id="rId5"/>
+    <p:sldId id="259" r:id="rId6"/>
+    <p:sldId id="261" r:id="rId7"/>
+    <p:sldId id="262" r:id="rId8"/>
+    <p:sldId id="263" r:id="rId9"/>
+    <p:sldId id="260" r:id="rId10"/>
   </p:sldIdLst>
   <p:sldSz cx="12192000" cy="6858000"/>
   <p:notesSz cx="6858000" cy="9144000"/>
@@ -115,7 +115,7 @@
 </file>
 
 <file path=ppt/slideLayouts/slideLayout1.xml><?xml version="1.0" encoding="utf-8"?>
-<p:sldLayout xmlns:a="http://schemas.openxmlformats.org/drawingml/2006/main" xmlns:r="http://schemas.openxmlformats.org/officeDocument/2006/relationships" xmlns:p="http://schemas.openxmlformats.org/presentationml/2006/main" showMasterSp="0" type="title" preserve="1">
+<p:sldLayout xmlns:a="http://schemas.openxmlformats.org/drawingml/2006/main" xmlns:r="http://schemas.openxmlformats.org/officeDocument/2006/relationships" xmlns:p="http://schemas.openxmlformats.org/presentationml/2006/main" type="title" preserve="1" showMasterSp="0">
   <p:cSld name="Титульный слайд">
     <p:spTree>
       <p:nvGrpSpPr>
@@ -836,8 +836,6 @@
           <a:p>
             <a:fld id="{E80C50CD-E178-4744-9B35-B2F624D6C5E9}" type="datetimeFigureOut">
               <a:rPr lang="en-US" smtClean="0"/>
-              <a:pPr/>
-              <a:t>5/10/2025</a:t>
             </a:fld>
             <a:endParaRPr lang="en-US"/>
           </a:p>
@@ -879,19 +877,12 @@
           <a:p>
             <a:fld id="{148CC95F-0247-41B6-91CF-DC97C76A7088}" type="slidenum">
               <a:rPr lang="en-US" smtClean="0"/>
-              <a:pPr/>
-              <a:t>‹#›</a:t>
             </a:fld>
             <a:endParaRPr lang="en-US"/>
           </a:p>
         </p:txBody>
       </p:sp>
     </p:spTree>
-    <p:extLst>
-      <p:ext uri="{BB962C8B-B14F-4D97-AF65-F5344CB8AC3E}">
-        <p14:creationId xmlns:p14="http://schemas.microsoft.com/office/powerpoint/2010/main" val="2218994708"/>
-      </p:ext>
-    </p:extLst>
   </p:cSld>
   <p:clrMapOvr>
     <a:masterClrMapping/>
@@ -1069,6 +1060,7 @@
               <a:rPr lang="ru-RU"/>
               <a:t>Образец текста</a:t>
             </a:r>
+            <a:endParaRPr lang="ru-RU"/>
           </a:p>
         </p:txBody>
       </p:sp>
@@ -1089,8 +1081,6 @@
           <a:p>
             <a:fld id="{E80C50CD-E178-4744-9B35-B2F624D6C5E9}" type="datetimeFigureOut">
               <a:rPr lang="en-US" smtClean="0"/>
-              <a:pPr/>
-              <a:t>5/10/2025</a:t>
             </a:fld>
             <a:endParaRPr lang="en-US"/>
           </a:p>
@@ -1132,19 +1122,12 @@
           <a:p>
             <a:fld id="{148CC95F-0247-41B6-91CF-DC97C76A7088}" type="slidenum">
               <a:rPr lang="en-US" smtClean="0"/>
-              <a:pPr/>
-              <a:t>‹#›</a:t>
             </a:fld>
             <a:endParaRPr lang="en-US"/>
           </a:p>
         </p:txBody>
       </p:sp>
     </p:spTree>
-    <p:extLst>
-      <p:ext uri="{BB962C8B-B14F-4D97-AF65-F5344CB8AC3E}">
-        <p14:creationId xmlns:p14="http://schemas.microsoft.com/office/powerpoint/2010/main" val="3474156976"/>
-      </p:ext>
-    </p:extLst>
   </p:cSld>
   <p:clrMapOvr>
     <a:masterClrMapping/>
@@ -1263,6 +1246,7 @@
               <a:rPr lang="ru-RU"/>
               <a:t>Образец текста</a:t>
             </a:r>
+            <a:endParaRPr lang="ru-RU"/>
           </a:p>
         </p:txBody>
       </p:sp>
@@ -1385,6 +1369,7 @@
               <a:rPr lang="ru-RU"/>
               <a:t>Образец текста</a:t>
             </a:r>
+            <a:endParaRPr lang="ru-RU"/>
           </a:p>
         </p:txBody>
       </p:sp>
@@ -1405,8 +1390,6 @@
           <a:p>
             <a:fld id="{E80C50CD-E178-4744-9B35-B2F624D6C5E9}" type="datetimeFigureOut">
               <a:rPr lang="en-US" smtClean="0"/>
-              <a:pPr/>
-              <a:t>5/10/2025</a:t>
             </a:fld>
             <a:endParaRPr lang="en-US"/>
           </a:p>
@@ -1448,8 +1431,6 @@
           <a:p>
             <a:fld id="{148CC95F-0247-41B6-91CF-DC97C76A7088}" type="slidenum">
               <a:rPr lang="en-US" smtClean="0"/>
-              <a:pPr/>
-              <a:t>‹#›</a:t>
             </a:fld>
             <a:endParaRPr lang="en-US"/>
           </a:p>
@@ -1489,10 +1470,23 @@
                   </a:schemeClr>
                 </a:solidFill>
                 <a:effectLst/>
-                <a:latin typeface="Arial"/>
+                <a:latin typeface="Arial" panose="020B0604020202020204"/>
               </a:rPr>
               <a:t>“</a:t>
             </a:r>
+            <a:endParaRPr lang="en-US" sz="8000" baseline="0" dirty="0">
+              <a:ln w="3175" cmpd="sng">
+                <a:noFill/>
+              </a:ln>
+              <a:solidFill>
+                <a:schemeClr val="accent1">
+                  <a:lumMod val="60000"/>
+                  <a:lumOff val="40000"/>
+                </a:schemeClr>
+              </a:solidFill>
+              <a:effectLst/>
+              <a:latin typeface="Arial" panose="020B0604020202020204"/>
+            </a:endParaRPr>
           </a:p>
         </p:txBody>
       </p:sp>
@@ -1529,7 +1523,7 @@
                     <a:lumOff val="40000"/>
                   </a:schemeClr>
                 </a:solidFill>
-                <a:latin typeface="Arial"/>
+                <a:latin typeface="Arial" panose="020B0604020202020204"/>
               </a:rPr>
               <a:t>”</a:t>
             </a:r>
@@ -1540,17 +1534,12 @@
                   <a:lumOff val="40000"/>
                 </a:schemeClr>
               </a:solidFill>
-              <a:latin typeface="Arial"/>
+              <a:latin typeface="Arial" panose="020B0604020202020204"/>
             </a:endParaRPr>
           </a:p>
         </p:txBody>
       </p:sp>
     </p:spTree>
-    <p:extLst>
-      <p:ext uri="{BB962C8B-B14F-4D97-AF65-F5344CB8AC3E}">
-        <p14:creationId xmlns:p14="http://schemas.microsoft.com/office/powerpoint/2010/main" val="977768379"/>
-      </p:ext>
-    </p:extLst>
   </p:cSld>
   <p:clrMapOvr>
     <a:masterClrMapping/>
@@ -1728,6 +1717,7 @@
               <a:rPr lang="ru-RU"/>
               <a:t>Образец текста</a:t>
             </a:r>
+            <a:endParaRPr lang="ru-RU"/>
           </a:p>
         </p:txBody>
       </p:sp>
@@ -1748,8 +1738,6 @@
           <a:p>
             <a:fld id="{E80C50CD-E178-4744-9B35-B2F624D6C5E9}" type="datetimeFigureOut">
               <a:rPr lang="en-US" smtClean="0"/>
-              <a:pPr/>
-              <a:t>5/10/2025</a:t>
             </a:fld>
             <a:endParaRPr lang="en-US"/>
           </a:p>
@@ -1791,19 +1779,12 @@
           <a:p>
             <a:fld id="{148CC95F-0247-41B6-91CF-DC97C76A7088}" type="slidenum">
               <a:rPr lang="en-US" smtClean="0"/>
-              <a:pPr/>
-              <a:t>‹#›</a:t>
             </a:fld>
             <a:endParaRPr lang="en-US"/>
           </a:p>
         </p:txBody>
       </p:sp>
     </p:spTree>
-    <p:extLst>
-      <p:ext uri="{BB962C8B-B14F-4D97-AF65-F5344CB8AC3E}">
-        <p14:creationId xmlns:p14="http://schemas.microsoft.com/office/powerpoint/2010/main" val="2455929112"/>
-      </p:ext>
-    </p:extLst>
   </p:cSld>
   <p:clrMapOvr>
     <a:masterClrMapping/>
@@ -1922,6 +1903,7 @@
               <a:rPr lang="ru-RU"/>
               <a:t>Образец текста</a:t>
             </a:r>
+            <a:endParaRPr lang="ru-RU"/>
           </a:p>
         </p:txBody>
       </p:sp>
@@ -2044,6 +2026,7 @@
               <a:rPr lang="ru-RU"/>
               <a:t>Образец текста</a:t>
             </a:r>
+            <a:endParaRPr lang="ru-RU"/>
           </a:p>
         </p:txBody>
       </p:sp>
@@ -2064,8 +2047,6 @@
           <a:p>
             <a:fld id="{E80C50CD-E178-4744-9B35-B2F624D6C5E9}" type="datetimeFigureOut">
               <a:rPr lang="en-US" smtClean="0"/>
-              <a:pPr/>
-              <a:t>5/10/2025</a:t>
             </a:fld>
             <a:endParaRPr lang="en-US"/>
           </a:p>
@@ -2107,8 +2088,6 @@
           <a:p>
             <a:fld id="{148CC95F-0247-41B6-91CF-DC97C76A7088}" type="slidenum">
               <a:rPr lang="en-US" smtClean="0"/>
-              <a:pPr/>
-              <a:t>‹#›</a:t>
             </a:fld>
             <a:endParaRPr lang="en-US"/>
           </a:p>
@@ -2148,10 +2127,23 @@
                   </a:schemeClr>
                 </a:solidFill>
                 <a:effectLst/>
-                <a:latin typeface="Arial"/>
+                <a:latin typeface="Arial" panose="020B0604020202020204"/>
               </a:rPr>
               <a:t>“</a:t>
             </a:r>
+            <a:endParaRPr lang="en-US" sz="8000" baseline="0" dirty="0">
+              <a:ln w="3175" cmpd="sng">
+                <a:noFill/>
+              </a:ln>
+              <a:solidFill>
+                <a:schemeClr val="accent1">
+                  <a:lumMod val="60000"/>
+                  <a:lumOff val="40000"/>
+                </a:schemeClr>
+              </a:solidFill>
+              <a:effectLst/>
+              <a:latin typeface="Arial" panose="020B0604020202020204"/>
+            </a:endParaRPr>
           </a:p>
         </p:txBody>
       </p:sp>
@@ -2189,19 +2181,27 @@
                   </a:schemeClr>
                 </a:solidFill>
                 <a:effectLst/>
-                <a:latin typeface="Arial"/>
+                <a:latin typeface="Arial" panose="020B0604020202020204"/>
               </a:rPr>
               <a:t>”</a:t>
             </a:r>
+            <a:endParaRPr lang="en-US" sz="8000" baseline="0" dirty="0">
+              <a:ln w="3175" cmpd="sng">
+                <a:noFill/>
+              </a:ln>
+              <a:solidFill>
+                <a:schemeClr val="accent1">
+                  <a:lumMod val="60000"/>
+                  <a:lumOff val="40000"/>
+                </a:schemeClr>
+              </a:solidFill>
+              <a:effectLst/>
+              <a:latin typeface="Arial" panose="020B0604020202020204"/>
+            </a:endParaRPr>
           </a:p>
         </p:txBody>
       </p:sp>
     </p:spTree>
-    <p:extLst>
-      <p:ext uri="{BB962C8B-B14F-4D97-AF65-F5344CB8AC3E}">
-        <p14:creationId xmlns:p14="http://schemas.microsoft.com/office/powerpoint/2010/main" val="244676412"/>
-      </p:ext>
-    </p:extLst>
   </p:cSld>
   <p:clrMapOvr>
     <a:masterClrMapping/>
@@ -2317,6 +2317,7 @@
               <a:rPr lang="ru-RU"/>
               <a:t>Образец текста</a:t>
             </a:r>
+            <a:endParaRPr lang="ru-RU"/>
           </a:p>
         </p:txBody>
       </p:sp>
@@ -2439,6 +2440,7 @@
               <a:rPr lang="ru-RU"/>
               <a:t>Образец текста</a:t>
             </a:r>
+            <a:endParaRPr lang="ru-RU"/>
           </a:p>
         </p:txBody>
       </p:sp>
@@ -2459,8 +2461,6 @@
           <a:p>
             <a:fld id="{E80C50CD-E178-4744-9B35-B2F624D6C5E9}" type="datetimeFigureOut">
               <a:rPr lang="en-US" smtClean="0"/>
-              <a:pPr/>
-              <a:t>5/10/2025</a:t>
             </a:fld>
             <a:endParaRPr lang="en-US"/>
           </a:p>
@@ -2502,19 +2502,12 @@
           <a:p>
             <a:fld id="{148CC95F-0247-41B6-91CF-DC97C76A7088}" type="slidenum">
               <a:rPr lang="en-US" smtClean="0"/>
-              <a:pPr/>
-              <a:t>‹#›</a:t>
             </a:fld>
             <a:endParaRPr lang="en-US"/>
           </a:p>
         </p:txBody>
       </p:sp>
     </p:spTree>
-    <p:extLst>
-      <p:ext uri="{BB962C8B-B14F-4D97-AF65-F5344CB8AC3E}">
-        <p14:creationId xmlns:p14="http://schemas.microsoft.com/office/powerpoint/2010/main" val="2541319128"/>
-      </p:ext>
-    </p:extLst>
   </p:cSld>
   <p:clrMapOvr>
     <a:masterClrMapping/>
@@ -2582,6 +2575,7 @@
               <a:rPr lang="ru-RU"/>
               <a:t>Образец текста</a:t>
             </a:r>
+            <a:endParaRPr lang="ru-RU"/>
           </a:p>
           <a:p>
             <a:pPr lvl="1"/>
@@ -2589,6 +2583,7 @@
               <a:rPr lang="ru-RU"/>
               <a:t>Второй уровень</a:t>
             </a:r>
+            <a:endParaRPr lang="ru-RU"/>
           </a:p>
           <a:p>
             <a:pPr lvl="2"/>
@@ -2596,6 +2591,7 @@
               <a:rPr lang="ru-RU"/>
               <a:t>Третий уровень</a:t>
             </a:r>
+            <a:endParaRPr lang="ru-RU"/>
           </a:p>
           <a:p>
             <a:pPr lvl="3"/>
@@ -2603,6 +2599,7 @@
               <a:rPr lang="ru-RU"/>
               <a:t>Четвертый уровень</a:t>
             </a:r>
+            <a:endParaRPr lang="ru-RU"/>
           </a:p>
           <a:p>
             <a:pPr lvl="4"/>
@@ -2631,8 +2628,6 @@
           <a:p>
             <a:fld id="{E80C50CD-E178-4744-9B35-B2F624D6C5E9}" type="datetimeFigureOut">
               <a:rPr lang="en-US" smtClean="0"/>
-              <a:pPr/>
-              <a:t>5/10/2025</a:t>
             </a:fld>
             <a:endParaRPr lang="en-US"/>
           </a:p>
@@ -2674,19 +2669,12 @@
           <a:p>
             <a:fld id="{148CC95F-0247-41B6-91CF-DC97C76A7088}" type="slidenum">
               <a:rPr lang="en-US" smtClean="0"/>
-              <a:pPr/>
-              <a:t>‹#›</a:t>
             </a:fld>
             <a:endParaRPr lang="en-US"/>
           </a:p>
         </p:txBody>
       </p:sp>
     </p:spTree>
-    <p:extLst>
-      <p:ext uri="{BB962C8B-B14F-4D97-AF65-F5344CB8AC3E}">
-        <p14:creationId xmlns:p14="http://schemas.microsoft.com/office/powerpoint/2010/main" val="3447958619"/>
-      </p:ext>
-    </p:extLst>
   </p:cSld>
   <p:clrMapOvr>
     <a:masterClrMapping/>
@@ -2764,6 +2752,7 @@
               <a:rPr lang="ru-RU"/>
               <a:t>Образец текста</a:t>
             </a:r>
+            <a:endParaRPr lang="ru-RU"/>
           </a:p>
           <a:p>
             <a:pPr lvl="1"/>
@@ -2771,6 +2760,7 @@
               <a:rPr lang="ru-RU"/>
               <a:t>Второй уровень</a:t>
             </a:r>
+            <a:endParaRPr lang="ru-RU"/>
           </a:p>
           <a:p>
             <a:pPr lvl="2"/>
@@ -2778,6 +2768,7 @@
               <a:rPr lang="ru-RU"/>
               <a:t>Третий уровень</a:t>
             </a:r>
+            <a:endParaRPr lang="ru-RU"/>
           </a:p>
           <a:p>
             <a:pPr lvl="3"/>
@@ -2785,6 +2776,7 @@
               <a:rPr lang="ru-RU"/>
               <a:t>Четвертый уровень</a:t>
             </a:r>
+            <a:endParaRPr lang="ru-RU"/>
           </a:p>
           <a:p>
             <a:pPr lvl="4"/>
@@ -2813,8 +2805,6 @@
           <a:p>
             <a:fld id="{E80C50CD-E178-4744-9B35-B2F624D6C5E9}" type="datetimeFigureOut">
               <a:rPr lang="en-US" smtClean="0"/>
-              <a:pPr/>
-              <a:t>5/10/2025</a:t>
             </a:fld>
             <a:endParaRPr lang="en-US"/>
           </a:p>
@@ -2856,19 +2846,12 @@
           <a:p>
             <a:fld id="{148CC95F-0247-41B6-91CF-DC97C76A7088}" type="slidenum">
               <a:rPr lang="en-US" smtClean="0"/>
-              <a:pPr/>
-              <a:t>‹#›</a:t>
             </a:fld>
             <a:endParaRPr lang="en-US"/>
           </a:p>
         </p:txBody>
       </p:sp>
     </p:spTree>
-    <p:extLst>
-      <p:ext uri="{BB962C8B-B14F-4D97-AF65-F5344CB8AC3E}">
-        <p14:creationId xmlns:p14="http://schemas.microsoft.com/office/powerpoint/2010/main" val="554863410"/>
-      </p:ext>
-    </p:extLst>
   </p:cSld>
   <p:clrMapOvr>
     <a:masterClrMapping/>
@@ -2942,6 +2925,7 @@
               <a:rPr lang="ru-RU"/>
               <a:t>Образец текста</a:t>
             </a:r>
+            <a:endParaRPr lang="ru-RU"/>
           </a:p>
           <a:p>
             <a:pPr lvl="1"/>
@@ -2949,6 +2933,7 @@
               <a:rPr lang="ru-RU"/>
               <a:t>Второй уровень</a:t>
             </a:r>
+            <a:endParaRPr lang="ru-RU"/>
           </a:p>
           <a:p>
             <a:pPr lvl="2"/>
@@ -2956,6 +2941,7 @@
               <a:rPr lang="ru-RU"/>
               <a:t>Третий уровень</a:t>
             </a:r>
+            <a:endParaRPr lang="ru-RU"/>
           </a:p>
           <a:p>
             <a:pPr lvl="3"/>
@@ -2963,6 +2949,7 @@
               <a:rPr lang="ru-RU"/>
               <a:t>Четвертый уровень</a:t>
             </a:r>
+            <a:endParaRPr lang="ru-RU"/>
           </a:p>
           <a:p>
             <a:pPr lvl="4"/>
@@ -2991,8 +2978,6 @@
           <a:p>
             <a:fld id="{E80C50CD-E178-4744-9B35-B2F624D6C5E9}" type="datetimeFigureOut">
               <a:rPr lang="en-US" smtClean="0"/>
-              <a:pPr/>
-              <a:t>5/10/2025</a:t>
             </a:fld>
             <a:endParaRPr lang="en-US"/>
           </a:p>
@@ -3034,19 +3019,12 @@
           <a:p>
             <a:fld id="{148CC95F-0247-41B6-91CF-DC97C76A7088}" type="slidenum">
               <a:rPr lang="en-US" smtClean="0"/>
-              <a:pPr/>
-              <a:t>‹#›</a:t>
             </a:fld>
             <a:endParaRPr lang="en-US"/>
           </a:p>
         </p:txBody>
       </p:sp>
     </p:spTree>
-    <p:extLst>
-      <p:ext uri="{BB962C8B-B14F-4D97-AF65-F5344CB8AC3E}">
-        <p14:creationId xmlns:p14="http://schemas.microsoft.com/office/powerpoint/2010/main" val="1396303770"/>
-      </p:ext>
-    </p:extLst>
   </p:cSld>
   <p:clrMapOvr>
     <a:masterClrMapping/>
@@ -3220,6 +3198,7 @@
               <a:rPr lang="ru-RU"/>
               <a:t>Образец текста</a:t>
             </a:r>
+            <a:endParaRPr lang="ru-RU"/>
           </a:p>
         </p:txBody>
       </p:sp>
@@ -3240,8 +3219,6 @@
           <a:p>
             <a:fld id="{E80C50CD-E178-4744-9B35-B2F624D6C5E9}" type="datetimeFigureOut">
               <a:rPr lang="en-US" smtClean="0"/>
-              <a:pPr/>
-              <a:t>5/10/2025</a:t>
             </a:fld>
             <a:endParaRPr lang="en-US"/>
           </a:p>
@@ -3283,19 +3260,12 @@
           <a:p>
             <a:fld id="{148CC95F-0247-41B6-91CF-DC97C76A7088}" type="slidenum">
               <a:rPr lang="en-US" smtClean="0"/>
-              <a:pPr/>
-              <a:t>‹#›</a:t>
             </a:fld>
             <a:endParaRPr lang="en-US"/>
           </a:p>
         </p:txBody>
       </p:sp>
     </p:spTree>
-    <p:extLst>
-      <p:ext uri="{BB962C8B-B14F-4D97-AF65-F5344CB8AC3E}">
-        <p14:creationId xmlns:p14="http://schemas.microsoft.com/office/powerpoint/2010/main" val="2114726894"/>
-      </p:ext>
-    </p:extLst>
   </p:cSld>
   <p:clrMapOvr>
     <a:masterClrMapping/>
@@ -3368,6 +3338,7 @@
               <a:rPr lang="ru-RU"/>
               <a:t>Образец текста</a:t>
             </a:r>
+            <a:endParaRPr lang="ru-RU"/>
           </a:p>
           <a:p>
             <a:pPr lvl="1"/>
@@ -3375,6 +3346,7 @@
               <a:rPr lang="ru-RU"/>
               <a:t>Второй уровень</a:t>
             </a:r>
+            <a:endParaRPr lang="ru-RU"/>
           </a:p>
           <a:p>
             <a:pPr lvl="2"/>
@@ -3382,6 +3354,7 @@
               <a:rPr lang="ru-RU"/>
               <a:t>Третий уровень</a:t>
             </a:r>
+            <a:endParaRPr lang="ru-RU"/>
           </a:p>
           <a:p>
             <a:pPr lvl="3"/>
@@ -3389,6 +3362,7 @@
               <a:rPr lang="ru-RU"/>
               <a:t>Четвертый уровень</a:t>
             </a:r>
+            <a:endParaRPr lang="ru-RU"/>
           </a:p>
           <a:p>
             <a:pPr lvl="4"/>
@@ -3425,6 +3399,7 @@
               <a:rPr lang="ru-RU"/>
               <a:t>Образец текста</a:t>
             </a:r>
+            <a:endParaRPr lang="ru-RU"/>
           </a:p>
           <a:p>
             <a:pPr lvl="1"/>
@@ -3432,6 +3407,7 @@
               <a:rPr lang="ru-RU"/>
               <a:t>Второй уровень</a:t>
             </a:r>
+            <a:endParaRPr lang="ru-RU"/>
           </a:p>
           <a:p>
             <a:pPr lvl="2"/>
@@ -3439,6 +3415,7 @@
               <a:rPr lang="ru-RU"/>
               <a:t>Третий уровень</a:t>
             </a:r>
+            <a:endParaRPr lang="ru-RU"/>
           </a:p>
           <a:p>
             <a:pPr lvl="3"/>
@@ -3446,6 +3423,7 @@
               <a:rPr lang="ru-RU"/>
               <a:t>Четвертый уровень</a:t>
             </a:r>
+            <a:endParaRPr lang="ru-RU"/>
           </a:p>
           <a:p>
             <a:pPr lvl="4"/>
@@ -3474,8 +3452,6 @@
           <a:p>
             <a:fld id="{E80C50CD-E178-4744-9B35-B2F624D6C5E9}" type="datetimeFigureOut">
               <a:rPr lang="en-US" smtClean="0"/>
-              <a:pPr/>
-              <a:t>5/10/2025</a:t>
             </a:fld>
             <a:endParaRPr lang="en-US"/>
           </a:p>
@@ -3517,19 +3493,12 @@
           <a:p>
             <a:fld id="{148CC95F-0247-41B6-91CF-DC97C76A7088}" type="slidenum">
               <a:rPr lang="en-US" smtClean="0"/>
-              <a:pPr/>
-              <a:t>‹#›</a:t>
             </a:fld>
             <a:endParaRPr lang="en-US"/>
           </a:p>
         </p:txBody>
       </p:sp>
     </p:spTree>
-    <p:extLst>
-      <p:ext uri="{BB962C8B-B14F-4D97-AF65-F5344CB8AC3E}">
-        <p14:creationId xmlns:p14="http://schemas.microsoft.com/office/powerpoint/2010/main" val="2910439781"/>
-      </p:ext>
-    </p:extLst>
   </p:cSld>
   <p:clrMapOvr>
     <a:masterClrMapping/>
@@ -3645,6 +3614,7 @@
               <a:rPr lang="ru-RU"/>
               <a:t>Образец текста</a:t>
             </a:r>
+            <a:endParaRPr lang="ru-RU"/>
           </a:p>
         </p:txBody>
       </p:sp>
@@ -3675,6 +3645,7 @@
               <a:rPr lang="ru-RU"/>
               <a:t>Образец текста</a:t>
             </a:r>
+            <a:endParaRPr lang="ru-RU"/>
           </a:p>
           <a:p>
             <a:pPr lvl="1"/>
@@ -3682,6 +3653,7 @@
               <a:rPr lang="ru-RU"/>
               <a:t>Второй уровень</a:t>
             </a:r>
+            <a:endParaRPr lang="ru-RU"/>
           </a:p>
           <a:p>
             <a:pPr lvl="2"/>
@@ -3689,6 +3661,7 @@
               <a:rPr lang="ru-RU"/>
               <a:t>Третий уровень</a:t>
             </a:r>
+            <a:endParaRPr lang="ru-RU"/>
           </a:p>
           <a:p>
             <a:pPr lvl="3"/>
@@ -3696,6 +3669,7 @@
               <a:rPr lang="ru-RU"/>
               <a:t>Четвертый уровень</a:t>
             </a:r>
+            <a:endParaRPr lang="ru-RU"/>
           </a:p>
           <a:p>
             <a:pPr lvl="4"/>
@@ -3771,6 +3745,7 @@
               <a:rPr lang="ru-RU"/>
               <a:t>Образец текста</a:t>
             </a:r>
+            <a:endParaRPr lang="ru-RU"/>
           </a:p>
         </p:txBody>
       </p:sp>
@@ -3801,6 +3776,7 @@
               <a:rPr lang="ru-RU"/>
               <a:t>Образец текста</a:t>
             </a:r>
+            <a:endParaRPr lang="ru-RU"/>
           </a:p>
           <a:p>
             <a:pPr lvl="1"/>
@@ -3808,6 +3784,7 @@
               <a:rPr lang="ru-RU"/>
               <a:t>Второй уровень</a:t>
             </a:r>
+            <a:endParaRPr lang="ru-RU"/>
           </a:p>
           <a:p>
             <a:pPr lvl="2"/>
@@ -3815,6 +3792,7 @@
               <a:rPr lang="ru-RU"/>
               <a:t>Третий уровень</a:t>
             </a:r>
+            <a:endParaRPr lang="ru-RU"/>
           </a:p>
           <a:p>
             <a:pPr lvl="3"/>
@@ -3822,6 +3800,7 @@
               <a:rPr lang="ru-RU"/>
               <a:t>Четвертый уровень</a:t>
             </a:r>
+            <a:endParaRPr lang="ru-RU"/>
           </a:p>
           <a:p>
             <a:pPr lvl="4"/>
@@ -3850,8 +3829,6 @@
           <a:p>
             <a:fld id="{E80C50CD-E178-4744-9B35-B2F624D6C5E9}" type="datetimeFigureOut">
               <a:rPr lang="en-US" smtClean="0"/>
-              <a:pPr/>
-              <a:t>5/10/2025</a:t>
             </a:fld>
             <a:endParaRPr lang="en-US"/>
           </a:p>
@@ -3893,19 +3870,12 @@
           <a:p>
             <a:fld id="{148CC95F-0247-41B6-91CF-DC97C76A7088}" type="slidenum">
               <a:rPr lang="en-US" smtClean="0"/>
-              <a:pPr/>
-              <a:t>‹#›</a:t>
             </a:fld>
             <a:endParaRPr lang="en-US"/>
           </a:p>
         </p:txBody>
       </p:sp>
     </p:spTree>
-    <p:extLst>
-      <p:ext uri="{BB962C8B-B14F-4D97-AF65-F5344CB8AC3E}">
-        <p14:creationId xmlns:p14="http://schemas.microsoft.com/office/powerpoint/2010/main" val="2011376956"/>
-      </p:ext>
-    </p:extLst>
   </p:cSld>
   <p:clrMapOvr>
     <a:masterClrMapping/>
@@ -3975,8 +3945,6 @@
           <a:p>
             <a:fld id="{E80C50CD-E178-4744-9B35-B2F624D6C5E9}" type="datetimeFigureOut">
               <a:rPr lang="en-US" smtClean="0"/>
-              <a:pPr/>
-              <a:t>5/10/2025</a:t>
             </a:fld>
             <a:endParaRPr lang="en-US"/>
           </a:p>
@@ -4018,19 +3986,12 @@
           <a:p>
             <a:fld id="{148CC95F-0247-41B6-91CF-DC97C76A7088}" type="slidenum">
               <a:rPr lang="en-US" smtClean="0"/>
-              <a:pPr/>
-              <a:t>‹#›</a:t>
             </a:fld>
             <a:endParaRPr lang="en-US"/>
           </a:p>
         </p:txBody>
       </p:sp>
     </p:spTree>
-    <p:extLst>
-      <p:ext uri="{BB962C8B-B14F-4D97-AF65-F5344CB8AC3E}">
-        <p14:creationId xmlns:p14="http://schemas.microsoft.com/office/powerpoint/2010/main" val="2421738592"/>
-      </p:ext>
-    </p:extLst>
   </p:cSld>
   <p:clrMapOvr>
     <a:masterClrMapping/>
@@ -4072,8 +4033,6 @@
           <a:p>
             <a:fld id="{E80C50CD-E178-4744-9B35-B2F624D6C5E9}" type="datetimeFigureOut">
               <a:rPr lang="en-US" smtClean="0"/>
-              <a:pPr/>
-              <a:t>5/10/2025</a:t>
             </a:fld>
             <a:endParaRPr lang="en-US"/>
           </a:p>
@@ -4115,19 +4074,12 @@
           <a:p>
             <a:fld id="{148CC95F-0247-41B6-91CF-DC97C76A7088}" type="slidenum">
               <a:rPr lang="en-US" smtClean="0"/>
-              <a:pPr/>
-              <a:t>‹#›</a:t>
             </a:fld>
             <a:endParaRPr lang="en-US"/>
           </a:p>
         </p:txBody>
       </p:sp>
     </p:spTree>
-    <p:extLst>
-      <p:ext uri="{BB962C8B-B14F-4D97-AF65-F5344CB8AC3E}">
-        <p14:creationId xmlns:p14="http://schemas.microsoft.com/office/powerpoint/2010/main" val="1768374612"/>
-      </p:ext>
-    </p:extLst>
   </p:cSld>
   <p:clrMapOvr>
     <a:masterClrMapping/>
@@ -4213,6 +4165,7 @@
               <a:rPr lang="ru-RU"/>
               <a:t>Образец текста</a:t>
             </a:r>
+            <a:endParaRPr lang="ru-RU"/>
           </a:p>
           <a:p>
             <a:pPr lvl="1"/>
@@ -4220,6 +4173,7 @@
               <a:rPr lang="ru-RU"/>
               <a:t>Второй уровень</a:t>
             </a:r>
+            <a:endParaRPr lang="ru-RU"/>
           </a:p>
           <a:p>
             <a:pPr lvl="2"/>
@@ -4227,6 +4181,7 @@
               <a:rPr lang="ru-RU"/>
               <a:t>Третий уровень</a:t>
             </a:r>
+            <a:endParaRPr lang="ru-RU"/>
           </a:p>
           <a:p>
             <a:pPr lvl="3"/>
@@ -4234,6 +4189,7 @@
               <a:rPr lang="ru-RU"/>
               <a:t>Четвертый уровень</a:t>
             </a:r>
+            <a:endParaRPr lang="ru-RU"/>
           </a:p>
           <a:p>
             <a:pPr lvl="4"/>
@@ -4270,35 +4226,35 @@
               <a:buNone/>
               <a:defRPr sz="1400"/>
             </a:lvl1pPr>
-            <a:lvl2pPr marL="457063" indent="0">
+            <a:lvl2pPr marL="457200" indent="0">
               <a:buNone/>
               <a:defRPr sz="1400"/>
             </a:lvl2pPr>
-            <a:lvl3pPr marL="914126" indent="0">
+            <a:lvl3pPr marL="914400" indent="0">
               <a:buNone/>
               <a:defRPr sz="1200"/>
             </a:lvl3pPr>
-            <a:lvl4pPr marL="1371189" indent="0">
+            <a:lvl4pPr marL="1370965" indent="0">
               <a:buNone/>
               <a:defRPr sz="1000"/>
             </a:lvl4pPr>
-            <a:lvl5pPr marL="1828251" indent="0">
+            <a:lvl5pPr marL="1828165" indent="0">
               <a:buNone/>
               <a:defRPr sz="1000"/>
             </a:lvl5pPr>
-            <a:lvl6pPr marL="2285314" indent="0">
+            <a:lvl6pPr marL="2285365" indent="0">
               <a:buNone/>
               <a:defRPr sz="1000"/>
             </a:lvl6pPr>
-            <a:lvl7pPr marL="2742377" indent="0">
+            <a:lvl7pPr marL="2742565" indent="0">
               <a:buNone/>
               <a:defRPr sz="1000"/>
             </a:lvl7pPr>
-            <a:lvl8pPr marL="3199440" indent="0">
+            <a:lvl8pPr marL="3199130" indent="0">
               <a:buNone/>
               <a:defRPr sz="1000"/>
             </a:lvl8pPr>
-            <a:lvl9pPr marL="3656503" indent="0">
+            <a:lvl9pPr marL="3656330" indent="0">
               <a:buNone/>
               <a:defRPr sz="1000"/>
             </a:lvl9pPr>
@@ -4309,6 +4265,7 @@
               <a:rPr lang="ru-RU"/>
               <a:t>Образец текста</a:t>
             </a:r>
+            <a:endParaRPr lang="ru-RU"/>
           </a:p>
         </p:txBody>
       </p:sp>
@@ -4329,8 +4286,6 @@
           <a:p>
             <a:fld id="{E80C50CD-E178-4744-9B35-B2F624D6C5E9}" type="datetimeFigureOut">
               <a:rPr lang="en-US" smtClean="0"/>
-              <a:pPr/>
-              <a:t>5/10/2025</a:t>
             </a:fld>
             <a:endParaRPr lang="en-US"/>
           </a:p>
@@ -4372,19 +4327,12 @@
           <a:p>
             <a:fld id="{148CC95F-0247-41B6-91CF-DC97C76A7088}" type="slidenum">
               <a:rPr lang="en-US" smtClean="0"/>
-              <a:pPr/>
-              <a:t>‹#›</a:t>
             </a:fld>
             <a:endParaRPr lang="en-US"/>
           </a:p>
         </p:txBody>
       </p:sp>
     </p:spTree>
-    <p:extLst>
-      <p:ext uri="{BB962C8B-B14F-4D97-AF65-F5344CB8AC3E}">
-        <p14:creationId xmlns:p14="http://schemas.microsoft.com/office/powerpoint/2010/main" val="846426493"/>
-      </p:ext>
-    </p:extLst>
   </p:cSld>
   <p:clrMapOvr>
     <a:masterClrMapping/>
@@ -4574,6 +4522,7 @@
               <a:rPr lang="ru-RU"/>
               <a:t>Образец текста</a:t>
             </a:r>
+            <a:endParaRPr lang="ru-RU"/>
           </a:p>
         </p:txBody>
       </p:sp>
@@ -4594,8 +4543,6 @@
           <a:p>
             <a:fld id="{E80C50CD-E178-4744-9B35-B2F624D6C5E9}" type="datetimeFigureOut">
               <a:rPr lang="en-US" smtClean="0"/>
-              <a:pPr/>
-              <a:t>5/10/2025</a:t>
             </a:fld>
             <a:endParaRPr lang="en-US"/>
           </a:p>
@@ -4637,19 +4584,12 @@
           <a:p>
             <a:fld id="{148CC95F-0247-41B6-91CF-DC97C76A7088}" type="slidenum">
               <a:rPr lang="en-US" smtClean="0"/>
-              <a:pPr/>
-              <a:t>‹#›</a:t>
             </a:fld>
             <a:endParaRPr lang="en-US"/>
           </a:p>
         </p:txBody>
       </p:sp>
     </p:spTree>
-    <p:extLst>
-      <p:ext uri="{BB962C8B-B14F-4D97-AF65-F5344CB8AC3E}">
-        <p14:creationId xmlns:p14="http://schemas.microsoft.com/office/powerpoint/2010/main" val="2340735397"/>
-      </p:ext>
-    </p:extLst>
   </p:cSld>
   <p:clrMapOvr>
     <a:masterClrMapping/>
@@ -5272,6 +5212,7 @@
               <a:rPr lang="ru-RU"/>
               <a:t>Образец текста</a:t>
             </a:r>
+            <a:endParaRPr lang="ru-RU"/>
           </a:p>
           <a:p>
             <a:pPr lvl="1"/>
@@ -5279,6 +5220,7 @@
               <a:rPr lang="ru-RU"/>
               <a:t>Второй уровень</a:t>
             </a:r>
+            <a:endParaRPr lang="ru-RU"/>
           </a:p>
           <a:p>
             <a:pPr lvl="2"/>
@@ -5286,6 +5228,7 @@
               <a:rPr lang="ru-RU"/>
               <a:t>Третий уровень</a:t>
             </a:r>
+            <a:endParaRPr lang="ru-RU"/>
           </a:p>
           <a:p>
             <a:pPr lvl="3"/>
@@ -5293,6 +5236,7 @@
               <a:rPr lang="ru-RU"/>
               <a:t>Четвертый уровень</a:t>
             </a:r>
+            <a:endParaRPr lang="ru-RU"/>
           </a:p>
           <a:p>
             <a:pPr lvl="4"/>
@@ -5339,8 +5283,6 @@
           <a:p>
             <a:fld id="{E80C50CD-E178-4744-9B35-B2F624D6C5E9}" type="datetimeFigureOut">
               <a:rPr lang="en-US" smtClean="0"/>
-              <a:pPr/>
-              <a:t>5/10/2025</a:t>
             </a:fld>
             <a:endParaRPr lang="en-US"/>
           </a:p>
@@ -5416,38 +5358,31 @@
           <a:p>
             <a:fld id="{148CC95F-0247-41B6-91CF-DC97C76A7088}" type="slidenum">
               <a:rPr lang="en-US" smtClean="0"/>
-              <a:pPr/>
-              <a:t>‹#›</a:t>
             </a:fld>
             <a:endParaRPr lang="en-US"/>
           </a:p>
         </p:txBody>
       </p:sp>
     </p:spTree>
-    <p:extLst>
-      <p:ext uri="{BB962C8B-B14F-4D97-AF65-F5344CB8AC3E}">
-        <p14:creationId xmlns:p14="http://schemas.microsoft.com/office/powerpoint/2010/main" val="4072859993"/>
-      </p:ext>
-    </p:extLst>
   </p:cSld>
   <p:clrMap bg1="lt1" tx1="dk1" bg2="lt2" tx2="dk2" accent1="accent1" accent2="accent2" accent3="accent3" accent4="accent4" accent5="accent5" accent6="accent6" hlink="hlink" folHlink="folHlink"/>
   <p:sldLayoutIdLst>
-    <p:sldLayoutId id="2147483673" r:id="rId1"/>
-    <p:sldLayoutId id="2147483674" r:id="rId2"/>
-    <p:sldLayoutId id="2147483675" r:id="rId3"/>
-    <p:sldLayoutId id="2147483676" r:id="rId4"/>
-    <p:sldLayoutId id="2147483677" r:id="rId5"/>
-    <p:sldLayoutId id="2147483678" r:id="rId6"/>
-    <p:sldLayoutId id="2147483679" r:id="rId7"/>
-    <p:sldLayoutId id="2147483680" r:id="rId8"/>
-    <p:sldLayoutId id="2147483681" r:id="rId9"/>
-    <p:sldLayoutId id="2147483682" r:id="rId10"/>
-    <p:sldLayoutId id="2147483683" r:id="rId11"/>
-    <p:sldLayoutId id="2147483684" r:id="rId12"/>
-    <p:sldLayoutId id="2147483685" r:id="rId13"/>
-    <p:sldLayoutId id="2147483686" r:id="rId14"/>
-    <p:sldLayoutId id="2147483687" r:id="rId15"/>
-    <p:sldLayoutId id="2147483688" r:id="rId16"/>
+    <p:sldLayoutId id="2147483649" r:id="rId1"/>
+    <p:sldLayoutId id="2147483650" r:id="rId2"/>
+    <p:sldLayoutId id="2147483651" r:id="rId3"/>
+    <p:sldLayoutId id="2147483652" r:id="rId4"/>
+    <p:sldLayoutId id="2147483653" r:id="rId5"/>
+    <p:sldLayoutId id="2147483654" r:id="rId6"/>
+    <p:sldLayoutId id="2147483655" r:id="rId7"/>
+    <p:sldLayoutId id="2147483656" r:id="rId8"/>
+    <p:sldLayoutId id="2147483657" r:id="rId9"/>
+    <p:sldLayoutId id="2147483658" r:id="rId10"/>
+    <p:sldLayoutId id="2147483659" r:id="rId11"/>
+    <p:sldLayoutId id="2147483660" r:id="rId12"/>
+    <p:sldLayoutId id="2147483661" r:id="rId13"/>
+    <p:sldLayoutId id="2147483662" r:id="rId14"/>
+    <p:sldLayoutId id="2147483663" r:id="rId15"/>
+    <p:sldLayoutId id="2147483664" r:id="rId16"/>
   </p:sldLayoutIdLst>
   <p:txStyles>
     <p:titleStyle>
@@ -5534,7 +5469,7 @@
           <a:schemeClr val="accent1"/>
         </a:buClr>
         <a:buSzPct val="80000"/>
-        <a:buFont typeface="Wingdings 3" charset="2"/>
+        <a:buFont typeface="Wingdings 3" panose="05040102010807070707" charset="2"/>
         <a:buChar char=""/>
         <a:defRPr sz="1800" kern="1200">
           <a:solidFill>
@@ -5559,7 +5494,7 @@
           <a:schemeClr val="accent1"/>
         </a:buClr>
         <a:buSzPct val="80000"/>
-        <a:buFont typeface="Wingdings 3" charset="2"/>
+        <a:buFont typeface="Wingdings 3" panose="05040102010807070707" charset="2"/>
         <a:buChar char=""/>
         <a:defRPr sz="1600" kern="1200">
           <a:solidFill>
@@ -5584,7 +5519,7 @@
           <a:schemeClr val="accent1"/>
         </a:buClr>
         <a:buSzPct val="80000"/>
-        <a:buFont typeface="Wingdings 3" charset="2"/>
+        <a:buFont typeface="Wingdings 3" panose="05040102010807070707" charset="2"/>
         <a:buChar char=""/>
         <a:defRPr sz="1400" kern="1200">
           <a:solidFill>
@@ -5609,7 +5544,7 @@
           <a:schemeClr val="accent1"/>
         </a:buClr>
         <a:buSzPct val="80000"/>
-        <a:buFont typeface="Wingdings 3" charset="2"/>
+        <a:buFont typeface="Wingdings 3" panose="05040102010807070707" charset="2"/>
         <a:buChar char=""/>
         <a:defRPr sz="1200" kern="1200">
           <a:solidFill>
@@ -5634,7 +5569,7 @@
           <a:schemeClr val="accent1"/>
         </a:buClr>
         <a:buSzPct val="80000"/>
-        <a:buFont typeface="Wingdings 3" charset="2"/>
+        <a:buFont typeface="Wingdings 3" panose="05040102010807070707" charset="2"/>
         <a:buChar char=""/>
         <a:defRPr sz="1200" kern="1200">
           <a:solidFill>
@@ -5659,7 +5594,7 @@
           <a:schemeClr val="accent1"/>
         </a:buClr>
         <a:buSzPct val="80000"/>
-        <a:buFont typeface="Wingdings 3" charset="2"/>
+        <a:buFont typeface="Wingdings 3" panose="05040102010807070707" charset="2"/>
         <a:buChar char=""/>
         <a:defRPr sz="1200" kern="1200">
           <a:solidFill>
@@ -5684,7 +5619,7 @@
           <a:schemeClr val="accent1"/>
         </a:buClr>
         <a:buSzPct val="80000"/>
-        <a:buFont typeface="Wingdings 3" charset="2"/>
+        <a:buFont typeface="Wingdings 3" panose="05040102010807070707" charset="2"/>
         <a:buChar char=""/>
         <a:defRPr sz="1200" kern="1200">
           <a:solidFill>
@@ -5709,7 +5644,7 @@
           <a:schemeClr val="accent1"/>
         </a:buClr>
         <a:buSzPct val="80000"/>
-        <a:buFont typeface="Wingdings 3" charset="2"/>
+        <a:buFont typeface="Wingdings 3" panose="05040102010807070707" charset="2"/>
         <a:buChar char=""/>
         <a:defRPr sz="1200" kern="1200">
           <a:solidFill>
@@ -5734,7 +5669,7 @@
           <a:schemeClr val="accent1"/>
         </a:buClr>
         <a:buSzPct val="80000"/>
-        <a:buFont typeface="Wingdings 3" charset="2"/>
+        <a:buFont typeface="Wingdings 3" panose="05040102010807070707" charset="2"/>
         <a:buChar char=""/>
         <a:defRPr sz="1200" kern="1200">
           <a:solidFill>
@@ -5875,13 +5810,7 @@
       </p:grpSpPr>
       <p:sp>
         <p:nvSpPr>
-          <p:cNvPr id="2" name="Заголовок 1">
-            <a:extLst>
-              <a:ext uri="{FF2B5EF4-FFF2-40B4-BE49-F238E27FC236}">
-                <a16:creationId xmlns:a16="http://schemas.microsoft.com/office/drawing/2014/main" id="{C2CBB3E4-27D8-8CA9-A1F3-CAA04218D611}"/>
-              </a:ext>
-            </a:extLst>
-          </p:cNvPr>
+          <p:cNvPr id="2" name="Заголовок 1"/>
           <p:cNvSpPr>
             <a:spLocks noGrp="1"/>
           </p:cNvSpPr>
@@ -5905,18 +5834,13 @@
               <a:rPr lang="ru-RU" sz="4800" dirty="0"/>
               <a:t>Оптимизации функций при компиляции</a:t>
             </a:r>
-          </a:p>
-        </p:txBody>
-      </p:sp>
-      <p:sp>
-        <p:nvSpPr>
-          <p:cNvPr id="3" name="Подзаголовок 2">
-            <a:extLst>
-              <a:ext uri="{FF2B5EF4-FFF2-40B4-BE49-F238E27FC236}">
-                <a16:creationId xmlns:a16="http://schemas.microsoft.com/office/drawing/2014/main" id="{22ECB22F-6590-1201-EC8F-5B327EEC4B5F}"/>
-              </a:ext>
-            </a:extLst>
-          </p:cNvPr>
+            <a:endParaRPr lang="ru-RU" sz="4800" dirty="0"/>
+          </a:p>
+        </p:txBody>
+      </p:sp>
+      <p:sp>
+        <p:nvSpPr>
+          <p:cNvPr id="3" name="Подзаголовок 2"/>
           <p:cNvSpPr>
             <a:spLocks noGrp="1"/>
           </p:cNvSpPr>
@@ -5956,31 +5880,21 @@
               <a:rPr lang="ru-RU" sz="1600" dirty="0"/>
               <a:t>лаба</a:t>
             </a:r>
+            <a:r>
+              <a:rPr lang="en-US" altLang="ru-RU" sz="1600" dirty="0"/>
+              <a:t> 4</a:t>
+            </a:r>
+            <a:endParaRPr lang="en-US" altLang="ru-RU" sz="1600" dirty="0"/>
           </a:p>
         </p:txBody>
       </p:sp>
       <p:cxnSp>
         <p:nvCxnSpPr>
-          <p:cNvPr id="6" name="Straight Connector 8">
-            <a:extLst>
-              <a:ext uri="{FF2B5EF4-FFF2-40B4-BE49-F238E27FC236}">
-                <a16:creationId xmlns:a16="http://schemas.microsoft.com/office/drawing/2014/main" id="{A57C1A16-B8AB-4D99-A195-A38F556A6486}"/>
-              </a:ext>
-              <a:ext uri="{C183D7F6-B498-43B3-948B-1728B52AA6E4}">
-                <adec:decorative xmlns:adec="http://schemas.microsoft.com/office/drawing/2017/decorative" val="1"/>
-              </a:ext>
-            </a:extLst>
-          </p:cNvPr>
+          <p:cNvPr id="6" name="Straight Connector 8"/>
           <p:cNvCxnSpPr>
             <a:cxnSpLocks noGrp="1" noRot="1" noChangeAspect="1" noMove="1" noResize="1" noEditPoints="1" noAdjustHandles="1" noChangeArrowheads="1" noChangeShapeType="1"/>
           </p:cNvCxnSpPr>
-          <p:nvPr>
-            <p:extLst>
-              <p:ext uri="{386F3935-93C4-4BCD-93E2-E3B085C9AB24}">
-                <p16:designElem xmlns:p16="http://schemas.microsoft.com/office/powerpoint/2015/main" val="1"/>
-              </p:ext>
-            </p:extLst>
-          </p:nvPr>
+          <p:nvPr/>
         </p:nvCxnSpPr>
         <p:spPr>
           <a:xfrm>
@@ -6015,26 +5929,11 @@
       </p:cxnSp>
       <p:cxnSp>
         <p:nvCxnSpPr>
-          <p:cNvPr id="7" name="Straight Connector 10">
-            <a:extLst>
-              <a:ext uri="{FF2B5EF4-FFF2-40B4-BE49-F238E27FC236}">
-                <a16:creationId xmlns:a16="http://schemas.microsoft.com/office/drawing/2014/main" id="{F8A9B20B-D1DD-4573-B5EC-558029519236}"/>
-              </a:ext>
-              <a:ext uri="{C183D7F6-B498-43B3-948B-1728B52AA6E4}">
-                <adec:decorative xmlns:adec="http://schemas.microsoft.com/office/drawing/2017/decorative" val="1"/>
-              </a:ext>
-            </a:extLst>
-          </p:cNvPr>
+          <p:cNvPr id="7" name="Straight Connector 10"/>
           <p:cNvCxnSpPr>
             <a:cxnSpLocks noGrp="1" noRot="1" noChangeAspect="1" noMove="1" noResize="1" noEditPoints="1" noAdjustHandles="1" noChangeArrowheads="1" noChangeShapeType="1"/>
           </p:cNvCxnSpPr>
-          <p:nvPr>
-            <p:extLst>
-              <p:ext uri="{386F3935-93C4-4BCD-93E2-E3B085C9AB24}">
-                <p16:designElem xmlns:p16="http://schemas.microsoft.com/office/powerpoint/2015/main" val="1"/>
-              </p:ext>
-            </p:extLst>
-          </p:nvPr>
+          <p:nvPr/>
         </p:nvCxnSpPr>
         <p:spPr>
           <a:xfrm flipH="1">
@@ -6069,26 +5968,11 @@
       </p:cxnSp>
       <p:sp>
         <p:nvSpPr>
-          <p:cNvPr id="8" name="Rectangle 23">
-            <a:extLst>
-              <a:ext uri="{FF2B5EF4-FFF2-40B4-BE49-F238E27FC236}">
-                <a16:creationId xmlns:a16="http://schemas.microsoft.com/office/drawing/2014/main" id="{66D61E08-70C3-48D8-BEA0-787111DC30DA}"/>
-              </a:ext>
-              <a:ext uri="{C183D7F6-B498-43B3-948B-1728B52AA6E4}">
-                <adec:decorative xmlns:adec="http://schemas.microsoft.com/office/drawing/2017/decorative" val="1"/>
-              </a:ext>
-            </a:extLst>
-          </p:cNvPr>
+          <p:cNvPr id="8" name="Rectangle 23"/>
           <p:cNvSpPr>
             <a:spLocks noGrp="1" noRot="1" noChangeAspect="1" noMove="1" noResize="1" noEditPoints="1" noAdjustHandles="1" noChangeArrowheads="1" noChangeShapeType="1" noTextEdit="1"/>
           </p:cNvSpPr>
-          <p:nvPr>
-            <p:extLst>
-              <p:ext uri="{386F3935-93C4-4BCD-93E2-E3B085C9AB24}">
-                <p16:designElem xmlns:p16="http://schemas.microsoft.com/office/powerpoint/2015/main" val="1"/>
-              </p:ext>
-            </p:extLst>
-          </p:nvPr>
+          <p:nvPr/>
         </p:nvSpPr>
         <p:spPr>
           <a:xfrm>
@@ -6156,26 +6040,11 @@
       </p:sp>
       <p:sp>
         <p:nvSpPr>
-          <p:cNvPr id="15" name="Rectangle 25">
-            <a:extLst>
-              <a:ext uri="{FF2B5EF4-FFF2-40B4-BE49-F238E27FC236}">
-                <a16:creationId xmlns:a16="http://schemas.microsoft.com/office/drawing/2014/main" id="{FC55298F-0AE5-478E-AD2B-03C2614C5833}"/>
-              </a:ext>
-              <a:ext uri="{C183D7F6-B498-43B3-948B-1728B52AA6E4}">
-                <adec:decorative xmlns:adec="http://schemas.microsoft.com/office/drawing/2017/decorative" val="1"/>
-              </a:ext>
-            </a:extLst>
-          </p:cNvPr>
+          <p:cNvPr id="15" name="Rectangle 25"/>
           <p:cNvSpPr>
             <a:spLocks noGrp="1" noRot="1" noChangeAspect="1" noMove="1" noResize="1" noEditPoints="1" noAdjustHandles="1" noChangeArrowheads="1" noChangeShapeType="1" noTextEdit="1"/>
           </p:cNvSpPr>
-          <p:nvPr>
-            <p:extLst>
-              <p:ext uri="{386F3935-93C4-4BCD-93E2-E3B085C9AB24}">
-                <p16:designElem xmlns:p16="http://schemas.microsoft.com/office/powerpoint/2015/main" val="1"/>
-              </p:ext>
-            </p:extLst>
-          </p:nvPr>
+          <p:nvPr/>
         </p:nvSpPr>
         <p:spPr>
           <a:xfrm>
@@ -6243,26 +6112,11 @@
       </p:sp>
       <p:sp>
         <p:nvSpPr>
-          <p:cNvPr id="17" name="Isosceles Triangle 24">
-            <a:extLst>
-              <a:ext uri="{FF2B5EF4-FFF2-40B4-BE49-F238E27FC236}">
-                <a16:creationId xmlns:a16="http://schemas.microsoft.com/office/drawing/2014/main" id="{C180E4EA-0B63-4779-A895-7E90E71088F3}"/>
-              </a:ext>
-              <a:ext uri="{C183D7F6-B498-43B3-948B-1728B52AA6E4}">
-                <adec:decorative xmlns:adec="http://schemas.microsoft.com/office/drawing/2017/decorative" val="1"/>
-              </a:ext>
-            </a:extLst>
-          </p:cNvPr>
+          <p:cNvPr id="17" name="Isosceles Triangle 24"/>
           <p:cNvSpPr>
             <a:spLocks noGrp="1" noRot="1" noChangeAspect="1" noMove="1" noResize="1" noEditPoints="1" noAdjustHandles="1" noChangeArrowheads="1" noChangeShapeType="1" noTextEdit="1"/>
           </p:cNvSpPr>
-          <p:nvPr>
-            <p:extLst>
-              <p:ext uri="{386F3935-93C4-4BCD-93E2-E3B085C9AB24}">
-                <p16:designElem xmlns:p16="http://schemas.microsoft.com/office/powerpoint/2015/main" val="1"/>
-              </p:ext>
-            </p:extLst>
-          </p:nvPr>
+          <p:nvPr/>
         </p:nvSpPr>
         <p:spPr>
           <a:xfrm>
@@ -6308,26 +6162,11 @@
       </p:sp>
       <p:sp>
         <p:nvSpPr>
-          <p:cNvPr id="19" name="Rectangle 27">
-            <a:extLst>
-              <a:ext uri="{FF2B5EF4-FFF2-40B4-BE49-F238E27FC236}">
-                <a16:creationId xmlns:a16="http://schemas.microsoft.com/office/drawing/2014/main" id="{CEE01D9D-3DE8-4EED-B0D3-8F3C79CC7673}"/>
-              </a:ext>
-              <a:ext uri="{C183D7F6-B498-43B3-948B-1728B52AA6E4}">
-                <adec:decorative xmlns:adec="http://schemas.microsoft.com/office/drawing/2017/decorative" val="1"/>
-              </a:ext>
-            </a:extLst>
-          </p:cNvPr>
+          <p:cNvPr id="19" name="Rectangle 27"/>
           <p:cNvSpPr>
             <a:spLocks noGrp="1" noRot="1" noChangeAspect="1" noMove="1" noResize="1" noEditPoints="1" noAdjustHandles="1" noChangeArrowheads="1" noChangeShapeType="1" noTextEdit="1"/>
           </p:cNvSpPr>
-          <p:nvPr>
-            <p:extLst>
-              <p:ext uri="{386F3935-93C4-4BCD-93E2-E3B085C9AB24}">
-                <p16:designElem xmlns:p16="http://schemas.microsoft.com/office/powerpoint/2015/main" val="1"/>
-              </p:ext>
-            </p:extLst>
-          </p:nvPr>
+          <p:nvPr/>
         </p:nvSpPr>
         <p:spPr>
           <a:xfrm>
@@ -6396,26 +6235,11 @@
       </p:sp>
       <p:sp>
         <p:nvSpPr>
-          <p:cNvPr id="21" name="Rectangle 28">
-            <a:extLst>
-              <a:ext uri="{FF2B5EF4-FFF2-40B4-BE49-F238E27FC236}">
-                <a16:creationId xmlns:a16="http://schemas.microsoft.com/office/drawing/2014/main" id="{89AF5CE9-607F-43F4-8983-DCD6DA4051FD}"/>
-              </a:ext>
-              <a:ext uri="{C183D7F6-B498-43B3-948B-1728B52AA6E4}">
-                <adec:decorative xmlns:adec="http://schemas.microsoft.com/office/drawing/2017/decorative" val="1"/>
-              </a:ext>
-            </a:extLst>
-          </p:cNvPr>
+          <p:cNvPr id="21" name="Rectangle 28"/>
           <p:cNvSpPr>
             <a:spLocks noGrp="1" noRot="1" noChangeAspect="1" noMove="1" noResize="1" noEditPoints="1" noAdjustHandles="1" noChangeArrowheads="1" noChangeShapeType="1" noTextEdit="1"/>
           </p:cNvSpPr>
-          <p:nvPr>
-            <p:extLst>
-              <p:ext uri="{386F3935-93C4-4BCD-93E2-E3B085C9AB24}">
-                <p16:designElem xmlns:p16="http://schemas.microsoft.com/office/powerpoint/2015/main" val="1"/>
-              </p:ext>
-            </p:extLst>
-          </p:nvPr>
+          <p:nvPr/>
         </p:nvSpPr>
         <p:spPr>
           <a:xfrm>
@@ -6485,26 +6309,11 @@
       </p:sp>
       <p:sp>
         <p:nvSpPr>
-          <p:cNvPr id="23" name="Rectangle 29">
-            <a:extLst>
-              <a:ext uri="{FF2B5EF4-FFF2-40B4-BE49-F238E27FC236}">
-                <a16:creationId xmlns:a16="http://schemas.microsoft.com/office/drawing/2014/main" id="{6EEA2DBD-9E1E-4521-8C01-F32AD18A89E3}"/>
-              </a:ext>
-              <a:ext uri="{C183D7F6-B498-43B3-948B-1728B52AA6E4}">
-                <adec:decorative xmlns:adec="http://schemas.microsoft.com/office/drawing/2017/decorative" val="1"/>
-              </a:ext>
-            </a:extLst>
-          </p:cNvPr>
+          <p:cNvPr id="23" name="Rectangle 29"/>
           <p:cNvSpPr>
             <a:spLocks noGrp="1" noRot="1" noChangeAspect="1" noMove="1" noResize="1" noEditPoints="1" noAdjustHandles="1" noChangeArrowheads="1" noChangeShapeType="1" noTextEdit="1"/>
           </p:cNvSpPr>
-          <p:nvPr>
-            <p:extLst>
-              <p:ext uri="{386F3935-93C4-4BCD-93E2-E3B085C9AB24}">
-                <p16:designElem xmlns:p16="http://schemas.microsoft.com/office/powerpoint/2015/main" val="1"/>
-              </p:ext>
-            </p:extLst>
-          </p:nvPr>
+          <p:nvPr/>
         </p:nvSpPr>
         <p:spPr>
           <a:xfrm>
@@ -6572,26 +6381,11 @@
       </p:sp>
       <p:sp>
         <p:nvSpPr>
-          <p:cNvPr id="25" name="Isosceles Triangle 29">
-            <a:extLst>
-              <a:ext uri="{FF2B5EF4-FFF2-40B4-BE49-F238E27FC236}">
-                <a16:creationId xmlns:a16="http://schemas.microsoft.com/office/drawing/2014/main" id="{15BBD2C1-BA9B-46A9-A27A-33498B169272}"/>
-              </a:ext>
-              <a:ext uri="{C183D7F6-B498-43B3-948B-1728B52AA6E4}">
-                <adec:decorative xmlns:adec="http://schemas.microsoft.com/office/drawing/2017/decorative" val="1"/>
-              </a:ext>
-            </a:extLst>
-          </p:cNvPr>
+          <p:cNvPr id="25" name="Isosceles Triangle 29"/>
           <p:cNvSpPr>
             <a:spLocks noGrp="1" noRot="1" noChangeAspect="1" noMove="1" noResize="1" noEditPoints="1" noAdjustHandles="1" noChangeArrowheads="1" noChangeShapeType="1" noTextEdit="1"/>
           </p:cNvSpPr>
-          <p:nvPr>
-            <p:extLst>
-              <p:ext uri="{386F3935-93C4-4BCD-93E2-E3B085C9AB24}">
-                <p16:designElem xmlns:p16="http://schemas.microsoft.com/office/powerpoint/2015/main" val="1"/>
-              </p:ext>
-            </p:extLst>
-          </p:nvPr>
+          <p:nvPr/>
         </p:nvSpPr>
         <p:spPr>
           <a:xfrm>
@@ -6636,11 +6430,6 @@
         </p:txBody>
       </p:sp>
     </p:spTree>
-    <p:extLst>
-      <p:ext uri="{BB962C8B-B14F-4D97-AF65-F5344CB8AC3E}">
-        <p14:creationId xmlns:p14="http://schemas.microsoft.com/office/powerpoint/2010/main" val="3320098247"/>
-      </p:ext>
-    </p:extLst>
   </p:cSld>
   <p:clrMapOvr>
     <a:masterClrMapping/>
@@ -6667,13 +6456,7 @@
       </p:grpSpPr>
       <p:sp>
         <p:nvSpPr>
-          <p:cNvPr id="2" name="Заголовок 1">
-            <a:extLst>
-              <a:ext uri="{FF2B5EF4-FFF2-40B4-BE49-F238E27FC236}">
-                <a16:creationId xmlns:a16="http://schemas.microsoft.com/office/drawing/2014/main" id="{A8C2C73E-1915-9005-DFE9-FCC2E3BA6E6F}"/>
-              </a:ext>
-            </a:extLst>
-          </p:cNvPr>
+          <p:cNvPr id="2" name="Заголовок 1"/>
           <p:cNvSpPr>
             <a:spLocks noGrp="1"/>
           </p:cNvSpPr>
@@ -6694,18 +6477,13 @@
               <a:rPr lang="ru-RU" dirty="0"/>
               <a:t>встраивание)</a:t>
             </a:r>
-          </a:p>
-        </p:txBody>
-      </p:sp>
-      <p:sp>
-        <p:nvSpPr>
-          <p:cNvPr id="3" name="Объект 2">
-            <a:extLst>
-              <a:ext uri="{FF2B5EF4-FFF2-40B4-BE49-F238E27FC236}">
-                <a16:creationId xmlns:a16="http://schemas.microsoft.com/office/drawing/2014/main" id="{F03C8FE5-EF3E-8BF3-A469-B48A229D99D6}"/>
-              </a:ext>
-            </a:extLst>
-          </p:cNvPr>
+            <a:endParaRPr lang="ru-RU" dirty="0"/>
+          </a:p>
+        </p:txBody>
+      </p:sp>
+      <p:sp>
+        <p:nvSpPr>
+          <p:cNvPr id="3" name="Объект 2"/>
           <p:cNvSpPr>
             <a:spLocks noGrp="1"/>
           </p:cNvSpPr>
@@ -6727,6 +6505,7 @@
               <a:rPr lang="ru-RU" dirty="0"/>
               <a:t>Подстановка тела функции в место вызова</a:t>
             </a:r>
+            <a:endParaRPr lang="ru-RU" dirty="0"/>
           </a:p>
           <a:p>
             <a:r>
@@ -6741,6 +6520,7 @@
               <a:rPr lang="ru-RU" dirty="0"/>
               <a:t> (стек, регистры)</a:t>
             </a:r>
+            <a:endParaRPr lang="ru-RU" dirty="0"/>
           </a:p>
           <a:p>
             <a:pPr lvl="1"/>
@@ -6748,12 +6528,14 @@
               <a:rPr lang="ru-RU" dirty="0"/>
               <a:t>Это позволяет реализовать дополнительные оптимизации (константная свёртка кода)</a:t>
             </a:r>
+            <a:endParaRPr lang="ru-RU" dirty="0"/>
           </a:p>
           <a:p>
             <a:r>
               <a:rPr lang="ru-RU" dirty="0"/>
               <a:t>Применяется когда функция маленькая или когда она используется единожды</a:t>
             </a:r>
+            <a:endParaRPr lang="ru-RU" dirty="0"/>
           </a:p>
           <a:p>
             <a:r>
@@ -6780,11 +6562,6 @@
         </p:txBody>
       </p:sp>
     </p:spTree>
-    <p:extLst>
-      <p:ext uri="{BB962C8B-B14F-4D97-AF65-F5344CB8AC3E}">
-        <p14:creationId xmlns:p14="http://schemas.microsoft.com/office/powerpoint/2010/main" val="650497047"/>
-      </p:ext>
-    </p:extLst>
   </p:cSld>
   <p:clrMapOvr>
     <a:masterClrMapping/>
@@ -6811,13 +6588,7 @@
       </p:grpSpPr>
       <p:sp>
         <p:nvSpPr>
-          <p:cNvPr id="2" name="Заголовок 1">
-            <a:extLst>
-              <a:ext uri="{FF2B5EF4-FFF2-40B4-BE49-F238E27FC236}">
-                <a16:creationId xmlns:a16="http://schemas.microsoft.com/office/drawing/2014/main" id="{F2C91957-FBEB-F1A2-287A-D572C031F6B1}"/>
-              </a:ext>
-            </a:extLst>
-          </p:cNvPr>
+          <p:cNvPr id="2" name="Заголовок 1"/>
           <p:cNvSpPr>
             <a:spLocks noGrp="1"/>
           </p:cNvSpPr>
@@ -6841,18 +6612,13 @@
               <a:rPr lang="ru-RU" dirty="0"/>
               <a:t>(хвостовая рекурсия)</a:t>
             </a:r>
-          </a:p>
-        </p:txBody>
-      </p:sp>
-      <p:sp>
-        <p:nvSpPr>
-          <p:cNvPr id="3" name="Объект 2">
-            <a:extLst>
-              <a:ext uri="{FF2B5EF4-FFF2-40B4-BE49-F238E27FC236}">
-                <a16:creationId xmlns:a16="http://schemas.microsoft.com/office/drawing/2014/main" id="{59B3429F-3D1F-1515-DE56-2FDF1F14C7A6}"/>
-              </a:ext>
-            </a:extLst>
-          </p:cNvPr>
+            <a:endParaRPr lang="ru-RU" dirty="0"/>
+          </a:p>
+        </p:txBody>
+      </p:sp>
+      <p:sp>
+        <p:nvSpPr>
+          <p:cNvPr id="3" name="Объект 2"/>
           <p:cNvSpPr>
             <a:spLocks noGrp="1"/>
           </p:cNvSpPr>
@@ -6880,25 +6646,20 @@
               <a:rPr lang="ru-RU" dirty="0"/>
               <a:t>Позволяет избежать переполнения стека или сэкономить его использование</a:t>
             </a:r>
+            <a:endParaRPr lang="ru-RU" dirty="0"/>
           </a:p>
         </p:txBody>
       </p:sp>
       <p:pic>
         <p:nvPicPr>
-          <p:cNvPr id="5" name="Рисунок 4">
-            <a:extLst>
-              <a:ext uri="{FF2B5EF4-FFF2-40B4-BE49-F238E27FC236}">
-                <a16:creationId xmlns:a16="http://schemas.microsoft.com/office/drawing/2014/main" id="{E7BAF406-AAE1-46CC-7261-E94E88F427EE}"/>
-              </a:ext>
-            </a:extLst>
-          </p:cNvPr>
+          <p:cNvPr id="5" name="Рисунок 4"/>
           <p:cNvPicPr>
             <a:picLocks noChangeAspect="1"/>
           </p:cNvPicPr>
           <p:nvPr/>
         </p:nvPicPr>
         <p:blipFill>
-          <a:blip r:embed="rId2"/>
+          <a:blip r:embed="rId1"/>
           <a:stretch>
             <a:fillRect/>
           </a:stretch>
@@ -6915,20 +6676,14 @@
       </p:pic>
       <p:pic>
         <p:nvPicPr>
-          <p:cNvPr id="7" name="Рисунок 6">
-            <a:extLst>
-              <a:ext uri="{FF2B5EF4-FFF2-40B4-BE49-F238E27FC236}">
-                <a16:creationId xmlns:a16="http://schemas.microsoft.com/office/drawing/2014/main" id="{43E172BC-C2D3-5204-E05F-C760A8C3E4FD}"/>
-              </a:ext>
-            </a:extLst>
-          </p:cNvPr>
+          <p:cNvPr id="7" name="Рисунок 6"/>
           <p:cNvPicPr>
             <a:picLocks noChangeAspect="1"/>
           </p:cNvPicPr>
           <p:nvPr/>
         </p:nvPicPr>
         <p:blipFill>
-          <a:blip r:embed="rId3"/>
+          <a:blip r:embed="rId2"/>
           <a:stretch>
             <a:fillRect/>
           </a:stretch>
@@ -6945,13 +6700,7 @@
       </p:pic>
       <p:sp>
         <p:nvSpPr>
-          <p:cNvPr id="12" name="Стрелка: вправо 11">
-            <a:extLst>
-              <a:ext uri="{FF2B5EF4-FFF2-40B4-BE49-F238E27FC236}">
-                <a16:creationId xmlns:a16="http://schemas.microsoft.com/office/drawing/2014/main" id="{961A0E49-D173-4B31-F029-6A7045C15D38}"/>
-              </a:ext>
-            </a:extLst>
-          </p:cNvPr>
+          <p:cNvPr id="12" name="Стрелка: вправо 11"/>
           <p:cNvSpPr/>
           <p:nvPr/>
         </p:nvSpPr>
@@ -6993,11 +6742,6 @@
         </p:txBody>
       </p:sp>
     </p:spTree>
-    <p:extLst>
-      <p:ext uri="{BB962C8B-B14F-4D97-AF65-F5344CB8AC3E}">
-        <p14:creationId xmlns:p14="http://schemas.microsoft.com/office/powerpoint/2010/main" val="3368176447"/>
-      </p:ext>
-    </p:extLst>
   </p:cSld>
   <p:clrMapOvr>
     <a:masterClrMapping/>
@@ -7024,13 +6768,7 @@
       </p:grpSpPr>
       <p:sp>
         <p:nvSpPr>
-          <p:cNvPr id="2" name="Заголовок 1">
-            <a:extLst>
-              <a:ext uri="{FF2B5EF4-FFF2-40B4-BE49-F238E27FC236}">
-                <a16:creationId xmlns:a16="http://schemas.microsoft.com/office/drawing/2014/main" id="{A2E5AFC7-FCEA-1CE5-71D2-C406126B02D5}"/>
-              </a:ext>
-            </a:extLst>
-          </p:cNvPr>
+          <p:cNvPr id="2" name="Заголовок 1"/>
           <p:cNvSpPr>
             <a:spLocks noGrp="1"/>
           </p:cNvSpPr>
@@ -7047,18 +6785,13 @@
               <a:rPr lang="ru-RU" dirty="0"/>
               <a:t>Оптимизация не-хвостовой рекурсии</a:t>
             </a:r>
-          </a:p>
-        </p:txBody>
-      </p:sp>
-      <p:sp>
-        <p:nvSpPr>
-          <p:cNvPr id="3" name="Объект 2">
-            <a:extLst>
-              <a:ext uri="{FF2B5EF4-FFF2-40B4-BE49-F238E27FC236}">
-                <a16:creationId xmlns:a16="http://schemas.microsoft.com/office/drawing/2014/main" id="{033270C4-BB23-94E1-AAC4-26F23C5A5707}"/>
-              </a:ext>
-            </a:extLst>
-          </p:cNvPr>
+            <a:endParaRPr lang="ru-RU" dirty="0"/>
+          </a:p>
+        </p:txBody>
+      </p:sp>
+      <p:sp>
+        <p:nvSpPr>
+          <p:cNvPr id="3" name="Объект 2"/>
           <p:cNvSpPr>
             <a:spLocks noGrp="1"/>
           </p:cNvSpPr>
@@ -7080,6 +6813,7 @@
               <a:rPr lang="ru-RU" dirty="0"/>
               <a:t>Цели те же – сэкономить стек</a:t>
             </a:r>
+            <a:endParaRPr lang="ru-RU" dirty="0"/>
           </a:p>
           <a:p>
             <a:r>
@@ -7115,27 +6849,24 @@
               <a:rPr lang="ru-RU" dirty="0"/>
               <a:t>Редко может применяться кеширование для одинаковых входных данных</a:t>
             </a:r>
+            <a:endParaRPr lang="ru-RU" dirty="0"/>
           </a:p>
         </p:txBody>
       </p:sp>
       <p:pic>
         <p:nvPicPr>
-          <p:cNvPr id="5" name="Рисунок 4">
-            <a:extLst>
-              <a:ext uri="{FF2B5EF4-FFF2-40B4-BE49-F238E27FC236}">
-                <a16:creationId xmlns:a16="http://schemas.microsoft.com/office/drawing/2014/main" id="{2C1D94C8-A0BA-8A7B-6C71-3FAD2AD7DF8B}"/>
-              </a:ext>
-            </a:extLst>
-          </p:cNvPr>
+          <p:cNvPr id="5" name="Рисунок 4"/>
           <p:cNvPicPr>
             <a:picLocks noChangeAspect="1"/>
           </p:cNvPicPr>
           <p:nvPr/>
         </p:nvPicPr>
         <p:blipFill>
-          <a:blip r:embed="rId2"/>
+          <a:blip r:embed="rId1"/>
           <a:srcRect r="39266"/>
-          <a:stretch/>
+          <a:stretch>
+            <a:fillRect/>
+          </a:stretch>
         </p:blipFill>
         <p:spPr>
           <a:xfrm>
@@ -7149,20 +6880,14 @@
       </p:pic>
       <p:pic>
         <p:nvPicPr>
-          <p:cNvPr id="7" name="Рисунок 6">
-            <a:extLst>
-              <a:ext uri="{FF2B5EF4-FFF2-40B4-BE49-F238E27FC236}">
-                <a16:creationId xmlns:a16="http://schemas.microsoft.com/office/drawing/2014/main" id="{A85F1BDD-AF35-0EF9-AABD-018AFD5876CF}"/>
-              </a:ext>
-            </a:extLst>
-          </p:cNvPr>
+          <p:cNvPr id="7" name="Рисунок 6"/>
           <p:cNvPicPr>
             <a:picLocks noChangeAspect="1"/>
           </p:cNvPicPr>
           <p:nvPr/>
         </p:nvPicPr>
         <p:blipFill>
-          <a:blip r:embed="rId3"/>
+          <a:blip r:embed="rId2"/>
           <a:stretch>
             <a:fillRect/>
           </a:stretch>
@@ -7179,13 +6904,7 @@
       </p:pic>
       <p:sp>
         <p:nvSpPr>
-          <p:cNvPr id="10" name="Стрелка: вправо 9">
-            <a:extLst>
-              <a:ext uri="{FF2B5EF4-FFF2-40B4-BE49-F238E27FC236}">
-                <a16:creationId xmlns:a16="http://schemas.microsoft.com/office/drawing/2014/main" id="{81993067-D180-B6F4-527B-77EB6B24C9E3}"/>
-              </a:ext>
-            </a:extLst>
-          </p:cNvPr>
+          <p:cNvPr id="10" name="Стрелка: вправо 9"/>
           <p:cNvSpPr/>
           <p:nvPr/>
         </p:nvSpPr>
@@ -7227,11 +6946,6 @@
         </p:txBody>
       </p:sp>
     </p:spTree>
-    <p:extLst>
-      <p:ext uri="{BB962C8B-B14F-4D97-AF65-F5344CB8AC3E}">
-        <p14:creationId xmlns:p14="http://schemas.microsoft.com/office/powerpoint/2010/main" val="52758698"/>
-      </p:ext>
-    </p:extLst>
   </p:cSld>
   <p:clrMapOvr>
     <a:masterClrMapping/>
@@ -7258,13 +6972,7 @@
       </p:grpSpPr>
       <p:sp>
         <p:nvSpPr>
-          <p:cNvPr id="2" name="Заголовок 1">
-            <a:extLst>
-              <a:ext uri="{FF2B5EF4-FFF2-40B4-BE49-F238E27FC236}">
-                <a16:creationId xmlns:a16="http://schemas.microsoft.com/office/drawing/2014/main" id="{0EDA06D7-66A4-903C-10E7-8C875CF9FAAB}"/>
-              </a:ext>
-            </a:extLst>
-          </p:cNvPr>
+          <p:cNvPr id="2" name="Заголовок 1"/>
           <p:cNvSpPr>
             <a:spLocks noGrp="1"/>
           </p:cNvSpPr>
@@ -7281,18 +6989,13 @@
               <a:rPr lang="ru-RU" dirty="0"/>
               <a:t>Оптимизация передачи аргументов</a:t>
             </a:r>
-          </a:p>
-        </p:txBody>
-      </p:sp>
-      <p:sp>
-        <p:nvSpPr>
-          <p:cNvPr id="3" name="Объект 2">
-            <a:extLst>
-              <a:ext uri="{FF2B5EF4-FFF2-40B4-BE49-F238E27FC236}">
-                <a16:creationId xmlns:a16="http://schemas.microsoft.com/office/drawing/2014/main" id="{9AB28CC3-C922-BC3B-063F-E3F66EC1F708}"/>
-              </a:ext>
-            </a:extLst>
-          </p:cNvPr>
+            <a:endParaRPr lang="ru-RU" dirty="0"/>
+          </a:p>
+        </p:txBody>
+      </p:sp>
+      <p:sp>
+        <p:nvSpPr>
+          <p:cNvPr id="3" name="Объект 2"/>
           <p:cNvSpPr>
             <a:spLocks noGrp="1"/>
           </p:cNvSpPr>
@@ -7346,6 +7049,7 @@
               <a:rPr lang="ru-RU" dirty="0"/>
               <a:t>, r8, r9)</a:t>
             </a:r>
+            <a:endParaRPr lang="ru-RU" dirty="0"/>
           </a:p>
           <a:p>
             <a:pPr lvl="1"/>
@@ -7353,18 +7057,21 @@
               <a:rPr lang="ru-RU" dirty="0"/>
               <a:t>Это увеличивает скорость работы и снижает нагрузку на стек</a:t>
             </a:r>
+            <a:endParaRPr lang="ru-RU" dirty="0"/>
           </a:p>
           <a:p>
             <a:r>
               <a:rPr lang="ru-RU" dirty="0"/>
               <a:t>Если аргумент не используется, компилятор может его удалить (не передавать)</a:t>
             </a:r>
+            <a:endParaRPr lang="ru-RU" dirty="0"/>
           </a:p>
           <a:p>
             <a:r>
               <a:rPr lang="ru-RU" dirty="0"/>
               <a:t>Если аргумент – константа при всех вызовах функции, компилятор может выполнить предварительные вычисления, уменьшив количество исполняемого кода (свёртка констант)</a:t>
             </a:r>
+            <a:endParaRPr lang="ru-RU" dirty="0"/>
           </a:p>
           <a:p>
             <a:pPr lvl="1"/>
@@ -7381,11 +7088,6 @@
         </p:txBody>
       </p:sp>
     </p:spTree>
-    <p:extLst>
-      <p:ext uri="{BB962C8B-B14F-4D97-AF65-F5344CB8AC3E}">
-        <p14:creationId xmlns:p14="http://schemas.microsoft.com/office/powerpoint/2010/main" val="1713778889"/>
-      </p:ext>
-    </p:extLst>
   </p:cSld>
   <p:clrMapOvr>
     <a:masterClrMapping/>
@@ -7412,13 +7114,7 @@
       </p:grpSpPr>
       <p:sp>
         <p:nvSpPr>
-          <p:cNvPr id="2" name="Заголовок 1">
-            <a:extLst>
-              <a:ext uri="{FF2B5EF4-FFF2-40B4-BE49-F238E27FC236}">
-                <a16:creationId xmlns:a16="http://schemas.microsoft.com/office/drawing/2014/main" id="{8D7C93A1-726F-9A2F-56EA-905CDD2C9125}"/>
-              </a:ext>
-            </a:extLst>
-          </p:cNvPr>
+          <p:cNvPr id="2" name="Заголовок 1"/>
           <p:cNvSpPr>
             <a:spLocks noGrp="1"/>
           </p:cNvSpPr>
@@ -7435,18 +7131,13 @@
               <a:rPr lang="ru-RU" dirty="0"/>
               <a:t>Оптимизации работы со стеком</a:t>
             </a:r>
-          </a:p>
-        </p:txBody>
-      </p:sp>
-      <p:sp>
-        <p:nvSpPr>
-          <p:cNvPr id="3" name="Объект 2">
-            <a:extLst>
-              <a:ext uri="{FF2B5EF4-FFF2-40B4-BE49-F238E27FC236}">
-                <a16:creationId xmlns:a16="http://schemas.microsoft.com/office/drawing/2014/main" id="{CEBA1BD5-98E6-4D22-8A78-F441CB8B86DD}"/>
-              </a:ext>
-            </a:extLst>
-          </p:cNvPr>
+            <a:endParaRPr lang="ru-RU" dirty="0"/>
+          </a:p>
+        </p:txBody>
+      </p:sp>
+      <p:sp>
+        <p:nvSpPr>
+          <p:cNvPr id="3" name="Объект 2"/>
           <p:cNvSpPr>
             <a:spLocks noGrp="1"/>
           </p:cNvSpPr>
@@ -7479,6 +7170,7 @@
               <a:rPr lang="ru-RU" dirty="0"/>
               <a:t>). Компилятор может хранить локальные переменные в регистрах а не в стеке, что повышает быстродействие</a:t>
             </a:r>
+            <a:endParaRPr lang="ru-RU" dirty="0"/>
           </a:p>
           <a:p>
             <a:r>
@@ -7493,6 +7185,7 @@
               <a:rPr lang="ru-RU" dirty="0"/>
               <a:t>). Если какое то значение, сохранённое в регистр затирается, не будучи прочитанным, компилятор удалить команду с его записью</a:t>
             </a:r>
+            <a:endParaRPr lang="ru-RU" dirty="0"/>
           </a:p>
           <a:p>
             <a:r>
@@ -7515,15 +7208,11 @@
               <a:rPr lang="ru-RU" dirty="0"/>
               <a:t> и стек, и увеличивает быстродействие</a:t>
             </a:r>
+            <a:endParaRPr lang="ru-RU" dirty="0"/>
           </a:p>
         </p:txBody>
       </p:sp>
     </p:spTree>
-    <p:extLst>
-      <p:ext uri="{BB962C8B-B14F-4D97-AF65-F5344CB8AC3E}">
-        <p14:creationId xmlns:p14="http://schemas.microsoft.com/office/powerpoint/2010/main" val="1041886791"/>
-      </p:ext>
-    </p:extLst>
   </p:cSld>
   <p:clrMapOvr>
     <a:masterClrMapping/>
@@ -7550,13 +7239,7 @@
       </p:grpSpPr>
       <p:sp>
         <p:nvSpPr>
-          <p:cNvPr id="2" name="Заголовок 1">
-            <a:extLst>
-              <a:ext uri="{FF2B5EF4-FFF2-40B4-BE49-F238E27FC236}">
-                <a16:creationId xmlns:a16="http://schemas.microsoft.com/office/drawing/2014/main" id="{F7F4E620-7ADF-A065-1139-438683A48B8C}"/>
-              </a:ext>
-            </a:extLst>
-          </p:cNvPr>
+          <p:cNvPr id="2" name="Заголовок 1"/>
           <p:cNvSpPr>
             <a:spLocks noGrp="1"/>
           </p:cNvSpPr>
@@ -7573,18 +7256,13 @@
               <a:rPr lang="ru-RU" dirty="0"/>
               <a:t>Параметрическая специализация</a:t>
             </a:r>
-          </a:p>
-        </p:txBody>
-      </p:sp>
-      <p:sp>
-        <p:nvSpPr>
-          <p:cNvPr id="3" name="Объект 2">
-            <a:extLst>
-              <a:ext uri="{FF2B5EF4-FFF2-40B4-BE49-F238E27FC236}">
-                <a16:creationId xmlns:a16="http://schemas.microsoft.com/office/drawing/2014/main" id="{3E80174E-8AEE-045F-B23B-9D409D536B88}"/>
-              </a:ext>
-            </a:extLst>
-          </p:cNvPr>
+            <a:endParaRPr lang="ru-RU" dirty="0"/>
+          </a:p>
+        </p:txBody>
+      </p:sp>
+      <p:sp>
+        <p:nvSpPr>
+          <p:cNvPr id="3" name="Объект 2"/>
           <p:cNvSpPr>
             <a:spLocks noGrp="1"/>
           </p:cNvSpPr>
@@ -7606,25 +7284,20 @@
               <a:rPr lang="ru-RU" dirty="0"/>
               <a:t>Если функция часто вызывается с некоторым паттерном параметров, позволяющем упростить её вычисление, может быть создан её упрощённый дубликат</a:t>
             </a:r>
+            <a:endParaRPr lang="ru-RU" dirty="0"/>
           </a:p>
         </p:txBody>
       </p:sp>
       <p:pic>
         <p:nvPicPr>
-          <p:cNvPr id="5" name="Рисунок 4">
-            <a:extLst>
-              <a:ext uri="{FF2B5EF4-FFF2-40B4-BE49-F238E27FC236}">
-                <a16:creationId xmlns:a16="http://schemas.microsoft.com/office/drawing/2014/main" id="{5CD38339-3AA1-4C2E-0D53-9E9A312BE591}"/>
-              </a:ext>
-            </a:extLst>
-          </p:cNvPr>
+          <p:cNvPr id="5" name="Рисунок 4"/>
           <p:cNvPicPr>
             <a:picLocks noChangeAspect="1"/>
           </p:cNvPicPr>
           <p:nvPr/>
         </p:nvPicPr>
         <p:blipFill>
-          <a:blip r:embed="rId2"/>
+          <a:blip r:embed="rId1"/>
           <a:stretch>
             <a:fillRect/>
           </a:stretch>
@@ -7640,11 +7313,6 @@
         </p:spPr>
       </p:pic>
     </p:spTree>
-    <p:extLst>
-      <p:ext uri="{BB962C8B-B14F-4D97-AF65-F5344CB8AC3E}">
-        <p14:creationId xmlns:p14="http://schemas.microsoft.com/office/powerpoint/2010/main" val="1715703487"/>
-      </p:ext>
-    </p:extLst>
   </p:cSld>
   <p:clrMapOvr>
     <a:masterClrMapping/>
@@ -7671,13 +7339,7 @@
       </p:grpSpPr>
       <p:sp>
         <p:nvSpPr>
-          <p:cNvPr id="2" name="Заголовок 1">
-            <a:extLst>
-              <a:ext uri="{FF2B5EF4-FFF2-40B4-BE49-F238E27FC236}">
-                <a16:creationId xmlns:a16="http://schemas.microsoft.com/office/drawing/2014/main" id="{66D28539-F69B-DEDF-17CE-22BB1223606A}"/>
-              </a:ext>
-            </a:extLst>
-          </p:cNvPr>
+          <p:cNvPr id="2" name="Заголовок 1"/>
           <p:cNvSpPr>
             <a:spLocks noGrp="1"/>
           </p:cNvSpPr>
@@ -7694,18 +7356,13 @@
               <a:rPr lang="ru-RU" dirty="0"/>
               <a:t>Очевидные оптимизации</a:t>
             </a:r>
-          </a:p>
-        </p:txBody>
-      </p:sp>
-      <p:sp>
-        <p:nvSpPr>
-          <p:cNvPr id="3" name="Объект 2">
-            <a:extLst>
-              <a:ext uri="{FF2B5EF4-FFF2-40B4-BE49-F238E27FC236}">
-                <a16:creationId xmlns:a16="http://schemas.microsoft.com/office/drawing/2014/main" id="{3D2DAD6F-20DE-5DFD-F0CC-B62C2F365E69}"/>
-              </a:ext>
-            </a:extLst>
-          </p:cNvPr>
+            <a:endParaRPr lang="ru-RU" dirty="0"/>
+          </a:p>
+        </p:txBody>
+      </p:sp>
+      <p:sp>
+        <p:nvSpPr>
+          <p:cNvPr id="3" name="Объект 2"/>
           <p:cNvSpPr>
             <a:spLocks noGrp="1"/>
           </p:cNvSpPr>
@@ -7729,18 +7386,21 @@
               <a:rPr lang="ru-RU" dirty="0"/>
               <a:t>Если две функции имеют одинаковое тело (возможно после некоторых промежуточных оптимизаций), они могут быть объединены в одну функцию</a:t>
             </a:r>
+            <a:endParaRPr lang="ru-RU" dirty="0"/>
           </a:p>
           <a:p>
             <a:r>
               <a:rPr lang="ru-RU" dirty="0"/>
               <a:t>Если две функции ведут себя одинаково при всех аргументов, они также будут объединены</a:t>
             </a:r>
+            <a:endParaRPr lang="ru-RU" dirty="0"/>
           </a:p>
           <a:p>
             <a:r>
               <a:rPr lang="ru-RU" dirty="0"/>
               <a:t>Если функция нигде не вызывается, она будет удалена</a:t>
             </a:r>
+            <a:endParaRPr lang="ru-RU" dirty="0"/>
           </a:p>
           <a:p>
             <a:r>
@@ -7763,12 +7423,14 @@
               <a:rPr lang="ru-RU" dirty="0"/>
               <a:t> – если компилятор может определить тип данных, он подставляет конкретную реализацию</a:t>
             </a:r>
+            <a:endParaRPr lang="ru-RU" dirty="0"/>
           </a:p>
           <a:p>
             <a:r>
               <a:rPr lang="ru-RU" dirty="0"/>
               <a:t>Распространение констант – известные константы подставляются в выражения напрямую</a:t>
             </a:r>
+            <a:endParaRPr lang="ru-RU" dirty="0"/>
           </a:p>
           <a:p>
             <a:r>
@@ -7806,27 +7468,25 @@
               <a:rPr lang="ru-RU" dirty="0"/>
               <a:t>Оптимизация возврата, избегает дублирования при возврате идентичных объектов</a:t>
             </a:r>
+            <a:endParaRPr lang="ru-RU" dirty="0"/>
           </a:p>
           <a:p>
             <a:r>
               <a:rPr lang="ru-RU" dirty="0"/>
               <a:t>Удаление избыточных ветвлений</a:t>
             </a:r>
+            <a:endParaRPr lang="ru-RU" dirty="0"/>
           </a:p>
           <a:p>
             <a:r>
               <a:rPr lang="ru-RU" dirty="0"/>
               <a:t>Разворачивание мелких циклов для уменьшения «накладных» расходов</a:t>
             </a:r>
+            <a:endParaRPr lang="ru-RU" dirty="0"/>
           </a:p>
         </p:txBody>
       </p:sp>
     </p:spTree>
-    <p:extLst>
-      <p:ext uri="{BB962C8B-B14F-4D97-AF65-F5344CB8AC3E}">
-        <p14:creationId xmlns:p14="http://schemas.microsoft.com/office/powerpoint/2010/main" val="158927022"/>
-      </p:ext>
-    </p:extLst>
   </p:cSld>
   <p:clrMapOvr>
     <a:masterClrMapping/>
@@ -7877,7 +7537,7 @@
     </a:clrScheme>
     <a:fontScheme name="Аспект">
       <a:majorFont>
-        <a:latin typeface="Trebuchet MS" panose="020B0603020202020204"/>
+        <a:latin typeface="Trebuchet MS"/>
         <a:ea typeface=""/>
         <a:cs typeface=""/>
         <a:font script="Jpan" typeface="メイリオ"/>
@@ -7912,7 +7572,7 @@
         <a:font script="Geor" typeface="Sylfaen"/>
       </a:majorFont>
       <a:minorFont>
-        <a:latin typeface="Trebuchet MS" panose="020B0603020202020204"/>
+        <a:latin typeface="Trebuchet MS"/>
         <a:ea typeface=""/>
         <a:cs typeface=""/>
         <a:font script="Jpan" typeface="メイリオ"/>
@@ -8081,37 +7741,10 @@
       </a:bgFillStyleLst>
     </a:fmtScheme>
   </a:themeElements>
-  <a:objectDefaults/>
-  <a:extraClrSchemeLst/>
   <a:extLst>
     <a:ext uri="{05A4C25C-085E-4340-85A3-A5531E510DB2}">
-      <thm15:themeFamily xmlns:thm15="http://schemas.microsoft.com/office/thememl/2012/main" name="Facet" id="{C0C680CD-088A-49FC-A102-D699147F32B2}" vid="{CFBC31BA-B70F-4F30-BCAA-4F3011E16C4D}"/>
+      <thm15:themeFamily xmlns:thm15="http://schemas.microsoft.com/office/thememl/2012/main" name="Office Theme" id="{62F939B6-93AF-4DB8-9C6B-D6C7DFDC589F}" vid="{4A3C46E8-61CC-4603-A589-7422A47A8E4A}"/>
     </a:ext>
   </a:extLst>
 </a:theme>
-</file>
-
-<file path=ppt/webextensions/taskpanes.xml><?xml version="1.0" encoding="utf-8"?>
-<wetp:taskpanes xmlns:wetp="http://schemas.microsoft.com/office/webextensions/taskpanes/2010/11">
-  <wetp:taskpane dockstate="right" visibility="0" width="350" row="1">
-    <wetp:webextensionref xmlns:r="http://schemas.openxmlformats.org/officeDocument/2006/relationships" r:id="rId1"/>
-  </wetp:taskpane>
-</wetp:taskpanes>
-</file>
-
-<file path=ppt/webextensions/webextension1.xml><?xml version="1.0" encoding="utf-8"?>
-<we:webextension xmlns:we="http://schemas.microsoft.com/office/webextensions/webextension/2010/11" id="{9D822276-2360-41C5-ADA2-8AC9789D780B}">
-  <we:reference id="wa200006067" version="1.0.0.9" store="ru-RU" storeType="OMEX"/>
-  <we:alternateReferences>
-    <we:reference id="wa200006067" version="1.0.0.9" store="WA200006067" storeType="OMEX"/>
-  </we:alternateReferences>
-  <we:properties/>
-  <we:bindings/>
-  <we:snapshot xmlns:r="http://schemas.openxmlformats.org/officeDocument/2006/relationships"/>
-  <we:extLst>
-    <a:ext xmlns:a="http://schemas.openxmlformats.org/drawingml/2006/main" uri="{0858819E-0033-43BF-8937-05EC82904868}">
-      <we:backgroundApp state="1" runtimeId=""/>
-    </a:ext>
-  </we:extLst>
-</we:webextension>
 </file>